--- a/03 - Logic Gates and Circuits.pptx
+++ b/03 - Logic Gates and Circuits.pptx
@@ -9762,7 +9762,7 @@
             </a:pPr>
             <a:r>
               <a:rPr lang="en-GB" dirty="0"/>
-              <a:t>input node: receives values from the external world </a:t>
+              <a:t>input node receives values from the external world </a:t>
             </a:r>
           </a:p>
           <a:p>
@@ -9776,7 +9776,7 @@
             </a:pPr>
             <a:r>
               <a:rPr lang="en-GB" dirty="0"/>
-              <a:t>output node: delivers values to the external world </a:t>
+              <a:t>output node delivers values to the external world </a:t>
             </a:r>
           </a:p>
           <a:p>
@@ -9790,7 +9790,7 @@
             </a:pPr>
             <a:r>
               <a:rPr lang="en-GB" dirty="0"/>
-              <a:t>internal node: not inputs or outputs</a:t>
+              <a:t>internal node not inputs or outputs</a:t>
             </a:r>
           </a:p>
           <a:p>
@@ -10438,8 +10438,8 @@
         </p:nvSpPr>
         <p:spPr>
           <a:xfrm>
-            <a:off x="162750" y="1212537"/>
-            <a:ext cx="8818500" cy="5100000"/>
+            <a:off x="162750" y="1585398"/>
+            <a:ext cx="8818500" cy="4185086"/>
           </a:xfrm>
           <a:prstGeom prst="rect">
             <a:avLst/>
@@ -10818,7 +10818,7 @@
             </a:pPr>
             <a:r>
               <a:rPr lang="en-GB" dirty="0"/>
-              <a:t>depending on the functions of the elements, it may or may not be a combinational circuit)</a:t>
+              <a:t>depending on the functions of the elements, it may or may not be a combinational circuit</a:t>
             </a:r>
           </a:p>
           <a:p>
@@ -11065,7 +11065,7 @@
         </p:nvSpPr>
         <p:spPr>
           <a:xfrm>
-            <a:off x="162750" y="1212537"/>
+            <a:off x="162750" y="1336767"/>
             <a:ext cx="8818500" cy="5100000"/>
           </a:xfrm>
           <a:prstGeom prst="rect">
@@ -11917,7 +11917,7 @@
         </p:nvSpPr>
         <p:spPr>
           <a:xfrm>
-            <a:off x="311700" y="1043733"/>
+            <a:off x="311700" y="1452106"/>
             <a:ext cx="8818500" cy="5113200"/>
           </a:xfrm>
         </p:spPr>
@@ -12001,15 +12001,6 @@
               <a:rPr lang="en-GB" dirty="0"/>
               <a:t>Complexity</a:t>
             </a:r>
-          </a:p>
-          <a:p>
-            <a:endParaRPr lang="en-GB" dirty="0"/>
-          </a:p>
-          <a:p>
-            <a:endParaRPr lang="en-GB" dirty="0"/>
-          </a:p>
-          <a:p>
-            <a:endParaRPr lang="en-GB" dirty="0"/>
           </a:p>
           <a:p>
             <a:endParaRPr lang="en-GB" dirty="0"/>
@@ -12112,7 +12103,7 @@
         </p:nvSpPr>
         <p:spPr>
           <a:xfrm>
-            <a:off x="162750" y="1212537"/>
+            <a:off x="162750" y="1336767"/>
             <a:ext cx="8818500" cy="5100000"/>
           </a:xfrm>
           <a:prstGeom prst="rect">
@@ -12201,14 +12192,6 @@
               <a:rPr lang="en-GB" dirty="0"/>
               <a:t>a boolean equation is a mathematical expression using binary variables</a:t>
             </a:r>
-          </a:p>
-          <a:p>
-            <a:pPr lvl="1"/>
-            <a:endParaRPr lang="en-GB" dirty="0"/>
-          </a:p>
-          <a:p>
-            <a:pPr lvl="1"/>
-            <a:endParaRPr lang="en-GB" dirty="0"/>
           </a:p>
         </p:txBody>
       </p:sp>
@@ -12784,7 +12767,19 @@
             </a:r>
             <a:r>
               <a:rPr lang="en-GB" dirty="0"/>
-              <a:t>, Y=AB, or Y=A∩B</a:t>
+              <a:t>, </a:t>
+            </a:r>
+            <a:r>
+              <a:rPr lang="en-GB" b="1" dirty="0"/>
+              <a:t>Y=AB</a:t>
+            </a:r>
+            <a:r>
+              <a:rPr lang="en-GB" dirty="0"/>
+              <a:t>, or </a:t>
+            </a:r>
+            <a:r>
+              <a:rPr lang="en-GB" b="1" dirty="0"/>
+              <a:t>Y=A∩B</a:t>
             </a:r>
           </a:p>
           <a:p>
